--- a/pred-and-gen_v240730.pptx
+++ b/pred-and-gen_v240730.pptx
@@ -8965,7 +8965,7 @@
               <a:rPr lang="en" altLang="ja-JP" sz="2400" dirty="0">
                 <a:hlinkClick r:id="rId7"/>
               </a:rPr>
-              <a:t>https://github.com/yukismd/predAi_and_genAi/blob/main/movie_recomendation/data/movies_sample_story.txt</a:t>
+              <a:t>https://github.com/yukismd/predAi_and_genAi/blob/main/job_db_search/data/resume_0106.docx</a:t>
             </a:r>
             <a:r>
               <a:rPr lang="ja-JP" altLang="en-US" sz="2400"/>
